--- a/output/Data Science for Policy.pptx
+++ b/output/Data Science for Policy.pptx
@@ -119,7 +119,7 @@
 <file path=ppt/revisionInfo.xml><?xml version="1.0" encoding="utf-8"?>
 <p1510:revInfo xmlns:a="http://schemas.openxmlformats.org/drawingml/2006/main" xmlns:r="http://schemas.openxmlformats.org/officeDocument/2006/relationships" xmlns:p1510="http://schemas.microsoft.com/office/powerpoint/2015/10/main">
   <p1510:revLst>
-    <p1510:client id="{361FD108-B6EF-4E2F-979F-7D38E9F28965}" v="1" dt="2023-09-06T12:33:08.154"/>
+    <p1510:client id="{361FD108-B6EF-4E2F-979F-7D38E9F28965}" v="6" dt="2023-09-07T11:06:42.604"/>
   </p1510:revLst>
 </p1510:revInfo>
 </file>
@@ -129,12 +129,12 @@
   <pc:docChgLst>
     <pc:chgData name="Jac Williams" userId="c682309b-038a-4163-9595-c4fa5d8cddc9" providerId="ADAL" clId="{361FD108-B6EF-4E2F-979F-7D38E9F28965}"/>
     <pc:docChg chg="addSld modSld">
-      <pc:chgData name="Jac Williams" userId="c682309b-038a-4163-9595-c4fa5d8cddc9" providerId="ADAL" clId="{361FD108-B6EF-4E2F-979F-7D38E9F28965}" dt="2023-09-06T12:33:20.225" v="86" actId="13926"/>
+      <pc:chgData name="Jac Williams" userId="c682309b-038a-4163-9595-c4fa5d8cddc9" providerId="ADAL" clId="{361FD108-B6EF-4E2F-979F-7D38E9F28965}" dt="2023-09-07T11:06:44.108" v="107" actId="1076"/>
       <pc:docMkLst>
         <pc:docMk/>
       </pc:docMkLst>
-      <pc:sldChg chg="modSp add mod">
-        <pc:chgData name="Jac Williams" userId="c682309b-038a-4163-9595-c4fa5d8cddc9" providerId="ADAL" clId="{361FD108-B6EF-4E2F-979F-7D38E9F28965}" dt="2023-09-06T12:27:27.843" v="12" actId="20577"/>
+      <pc:sldChg chg="addSp modSp add mod">
+        <pc:chgData name="Jac Williams" userId="c682309b-038a-4163-9595-c4fa5d8cddc9" providerId="ADAL" clId="{361FD108-B6EF-4E2F-979F-7D38E9F28965}" dt="2023-09-07T10:38:11.429" v="91" actId="1076"/>
         <pc:sldMkLst>
           <pc:docMk/>
           <pc:sldMk cId="937051403" sldId="2134804831"/>
@@ -147,9 +147,25 @@
             <ac:spMk id="5" creationId="{FAEFDB18-0228-68C7-601B-5D260324C65B}"/>
           </ac:spMkLst>
         </pc:spChg>
+        <pc:picChg chg="add mod">
+          <ac:chgData name="Jac Williams" userId="c682309b-038a-4163-9595-c4fa5d8cddc9" providerId="ADAL" clId="{361FD108-B6EF-4E2F-979F-7D38E9F28965}" dt="2023-09-07T10:38:11.429" v="91" actId="1076"/>
+          <ac:picMkLst>
+            <pc:docMk/>
+            <pc:sldMk cId="937051403" sldId="2134804831"/>
+            <ac:picMk id="4" creationId="{FEC33BA0-DC58-B53D-1670-D67DF4C1C320}"/>
+          </ac:picMkLst>
+        </pc:picChg>
+        <pc:picChg chg="add mod">
+          <ac:chgData name="Jac Williams" userId="c682309b-038a-4163-9595-c4fa5d8cddc9" providerId="ADAL" clId="{361FD108-B6EF-4E2F-979F-7D38E9F28965}" dt="2023-09-07T10:38:10.972" v="90" actId="27614"/>
+          <ac:picMkLst>
+            <pc:docMk/>
+            <pc:sldMk cId="937051403" sldId="2134804831"/>
+            <ac:picMk id="7" creationId="{AD0D5A2E-7550-EE03-52C6-59C68CC429A5}"/>
+          </ac:picMkLst>
+        </pc:picChg>
       </pc:sldChg>
-      <pc:sldChg chg="modSp add mod">
-        <pc:chgData name="Jac Williams" userId="c682309b-038a-4163-9595-c4fa5d8cddc9" providerId="ADAL" clId="{361FD108-B6EF-4E2F-979F-7D38E9F28965}" dt="2023-09-06T12:32:44.043" v="29" actId="20577"/>
+      <pc:sldChg chg="addSp modSp add mod">
+        <pc:chgData name="Jac Williams" userId="c682309b-038a-4163-9595-c4fa5d8cddc9" providerId="ADAL" clId="{361FD108-B6EF-4E2F-979F-7D38E9F28965}" dt="2023-09-07T10:38:51.122" v="100" actId="27614"/>
         <pc:sldMkLst>
           <pc:docMk/>
           <pc:sldMk cId="458259160" sldId="2134804832"/>
@@ -162,9 +178,41 @@
             <ac:spMk id="5" creationId="{FAEFDB18-0228-68C7-601B-5D260324C65B}"/>
           </ac:spMkLst>
         </pc:spChg>
+        <pc:picChg chg="add mod">
+          <ac:chgData name="Jac Williams" userId="c682309b-038a-4163-9595-c4fa5d8cddc9" providerId="ADAL" clId="{361FD108-B6EF-4E2F-979F-7D38E9F28965}" dt="2023-09-07T10:38:29.400" v="96" actId="962"/>
+          <ac:picMkLst>
+            <pc:docMk/>
+            <pc:sldMk cId="458259160" sldId="2134804832"/>
+            <ac:picMk id="4" creationId="{19A8761D-DD92-7E3E-8B5A-AA6C4BFA2776}"/>
+          </ac:picMkLst>
+        </pc:picChg>
+        <pc:picChg chg="add mod">
+          <ac:chgData name="Jac Williams" userId="c682309b-038a-4163-9595-c4fa5d8cddc9" providerId="ADAL" clId="{361FD108-B6EF-4E2F-979F-7D38E9F28965}" dt="2023-09-07T10:38:30.859" v="97" actId="1076"/>
+          <ac:picMkLst>
+            <pc:docMk/>
+            <pc:sldMk cId="458259160" sldId="2134804832"/>
+            <ac:picMk id="7" creationId="{1604D133-FF2C-3802-9CA0-C3D48880867F}"/>
+          </ac:picMkLst>
+        </pc:picChg>
+        <pc:picChg chg="add mod">
+          <ac:chgData name="Jac Williams" userId="c682309b-038a-4163-9595-c4fa5d8cddc9" providerId="ADAL" clId="{361FD108-B6EF-4E2F-979F-7D38E9F28965}" dt="2023-09-07T10:38:51.013" v="99" actId="27614"/>
+          <ac:picMkLst>
+            <pc:docMk/>
+            <pc:sldMk cId="458259160" sldId="2134804832"/>
+            <ac:picMk id="10" creationId="{B9DEFCFB-0739-C892-8D76-D454362304A2}"/>
+          </ac:picMkLst>
+        </pc:picChg>
+        <pc:picChg chg="add mod">
+          <ac:chgData name="Jac Williams" userId="c682309b-038a-4163-9595-c4fa5d8cddc9" providerId="ADAL" clId="{361FD108-B6EF-4E2F-979F-7D38E9F28965}" dt="2023-09-07T10:38:51.122" v="100" actId="27614"/>
+          <ac:picMkLst>
+            <pc:docMk/>
+            <pc:sldMk cId="458259160" sldId="2134804832"/>
+            <ac:picMk id="16" creationId="{001F3A4C-FFFA-66A8-006F-B6BF8A59D674}"/>
+          </ac:picMkLst>
+        </pc:picChg>
       </pc:sldChg>
-      <pc:sldChg chg="modSp add mod">
-        <pc:chgData name="Jac Williams" userId="c682309b-038a-4163-9595-c4fa5d8cddc9" providerId="ADAL" clId="{361FD108-B6EF-4E2F-979F-7D38E9F28965}" dt="2023-09-06T12:32:51.701" v="47" actId="20577"/>
+      <pc:sldChg chg="addSp modSp add mod">
+        <pc:chgData name="Jac Williams" userId="c682309b-038a-4163-9595-c4fa5d8cddc9" providerId="ADAL" clId="{361FD108-B6EF-4E2F-979F-7D38E9F28965}" dt="2023-09-07T11:06:44.108" v="107" actId="1076"/>
         <pc:sldMkLst>
           <pc:docMk/>
           <pc:sldMk cId="1902067640" sldId="2134804833"/>
@@ -177,6 +225,22 @@
             <ac:spMk id="5" creationId="{FAEFDB18-0228-68C7-601B-5D260324C65B}"/>
           </ac:spMkLst>
         </pc:spChg>
+        <pc:picChg chg="add mod">
+          <ac:chgData name="Jac Williams" userId="c682309b-038a-4163-9595-c4fa5d8cddc9" providerId="ADAL" clId="{361FD108-B6EF-4E2F-979F-7D38E9F28965}" dt="2023-09-07T10:39:02.278" v="103" actId="962"/>
+          <ac:picMkLst>
+            <pc:docMk/>
+            <pc:sldMk cId="1902067640" sldId="2134804833"/>
+            <ac:picMk id="4" creationId="{F37EFE55-4EBD-ADAD-15B2-AFC3F06A395A}"/>
+          </ac:picMkLst>
+        </pc:picChg>
+        <pc:picChg chg="add mod">
+          <ac:chgData name="Jac Williams" userId="c682309b-038a-4163-9595-c4fa5d8cddc9" providerId="ADAL" clId="{361FD108-B6EF-4E2F-979F-7D38E9F28965}" dt="2023-09-07T11:06:44.108" v="107" actId="1076"/>
+          <ac:picMkLst>
+            <pc:docMk/>
+            <pc:sldMk cId="1902067640" sldId="2134804833"/>
+            <ac:picMk id="7" creationId="{42004651-E87B-3C53-A0B9-C24B423D83D3}"/>
+          </ac:picMkLst>
+        </pc:picChg>
       </pc:sldChg>
       <pc:sldChg chg="modSp add mod">
         <pc:chgData name="Jac Williams" userId="c682309b-038a-4163-9595-c4fa5d8cddc9" providerId="ADAL" clId="{361FD108-B6EF-4E2F-979F-7D38E9F28965}" dt="2023-09-06T12:33:04" v="73" actId="20577"/>
@@ -5907,6 +5971,78 @@
           </a:p>
         </p:txBody>
       </p:sp>
+      <p:pic>
+        <p:nvPicPr>
+          <p:cNvPr id="4" name="Picture 3" descr="A graph of a number of blue and orange lines&#10;&#10;Description automatically generated">
+            <a:extLst>
+              <a:ext uri="{FF2B5EF4-FFF2-40B4-BE49-F238E27FC236}">
+                <a16:creationId xmlns:a16="http://schemas.microsoft.com/office/drawing/2014/main" id="{FEC33BA0-DC58-B53D-1670-D67DF4C1C320}"/>
+              </a:ext>
+            </a:extLst>
+          </p:cNvPr>
+          <p:cNvPicPr>
+            <a:picLocks noChangeAspect="1"/>
+          </p:cNvPicPr>
+          <p:nvPr/>
+        </p:nvPicPr>
+        <p:blipFill>
+          <a:blip r:embed="rId3">
+            <a:extLst>
+              <a:ext uri="{28A0092B-C50C-407E-A947-70E740481C1C}">
+                <a14:useLocalDpi xmlns:a14="http://schemas.microsoft.com/office/drawing/2010/main" val="0"/>
+              </a:ext>
+            </a:extLst>
+          </a:blip>
+          <a:stretch>
+            <a:fillRect/>
+          </a:stretch>
+        </p:blipFill>
+        <p:spPr>
+          <a:xfrm>
+            <a:off x="5002368" y="1630150"/>
+            <a:ext cx="4979832" cy="3128169"/>
+          </a:xfrm>
+          <a:prstGeom prst="rect">
+            <a:avLst/>
+          </a:prstGeom>
+        </p:spPr>
+      </p:pic>
+      <p:pic>
+        <p:nvPicPr>
+          <p:cNvPr id="7" name="Picture 6" descr="A graph of a number of people&#10;&#10;Description automatically generated with medium confidence">
+            <a:extLst>
+              <a:ext uri="{FF2B5EF4-FFF2-40B4-BE49-F238E27FC236}">
+                <a16:creationId xmlns:a16="http://schemas.microsoft.com/office/drawing/2014/main" id="{AD0D5A2E-7550-EE03-52C6-59C68CC429A5}"/>
+              </a:ext>
+            </a:extLst>
+          </p:cNvPr>
+          <p:cNvPicPr>
+            <a:picLocks noChangeAspect="1"/>
+          </p:cNvPicPr>
+          <p:nvPr/>
+        </p:nvPicPr>
+        <p:blipFill>
+          <a:blip r:embed="rId4">
+            <a:extLst>
+              <a:ext uri="{28A0092B-C50C-407E-A947-70E740481C1C}">
+                <a14:useLocalDpi xmlns:a14="http://schemas.microsoft.com/office/drawing/2010/main" val="0"/>
+              </a:ext>
+            </a:extLst>
+          </a:blip>
+          <a:stretch>
+            <a:fillRect/>
+          </a:stretch>
+        </p:blipFill>
+        <p:spPr>
+          <a:xfrm>
+            <a:off x="5103620" y="2733430"/>
+            <a:ext cx="4979832" cy="3128169"/>
+          </a:xfrm>
+          <a:prstGeom prst="rect">
+            <a:avLst/>
+          </a:prstGeom>
+        </p:spPr>
+      </p:pic>
     </p:spTree>
     <p:extLst>
       <p:ext uri="{BB962C8B-B14F-4D97-AF65-F5344CB8AC3E}">
@@ -6551,6 +6687,150 @@
           </a:p>
         </p:txBody>
       </p:sp>
+      <p:pic>
+        <p:nvPicPr>
+          <p:cNvPr id="4" name="Picture 3" descr="A graph of a graph showing different colored lines&#10;&#10;Description automatically generated">
+            <a:extLst>
+              <a:ext uri="{FF2B5EF4-FFF2-40B4-BE49-F238E27FC236}">
+                <a16:creationId xmlns:a16="http://schemas.microsoft.com/office/drawing/2014/main" id="{19A8761D-DD92-7E3E-8B5A-AA6C4BFA2776}"/>
+              </a:ext>
+            </a:extLst>
+          </p:cNvPr>
+          <p:cNvPicPr>
+            <a:picLocks noChangeAspect="1"/>
+          </p:cNvPicPr>
+          <p:nvPr/>
+        </p:nvPicPr>
+        <p:blipFill>
+          <a:blip r:embed="rId3">
+            <a:extLst>
+              <a:ext uri="{28A0092B-C50C-407E-A947-70E740481C1C}">
+                <a14:useLocalDpi xmlns:a14="http://schemas.microsoft.com/office/drawing/2010/main" val="0"/>
+              </a:ext>
+            </a:extLst>
+          </a:blip>
+          <a:stretch>
+            <a:fillRect/>
+          </a:stretch>
+        </p:blipFill>
+        <p:spPr>
+          <a:xfrm>
+            <a:off x="3606084" y="1817824"/>
+            <a:ext cx="4979832" cy="3222352"/>
+          </a:xfrm>
+          <a:prstGeom prst="rect">
+            <a:avLst/>
+          </a:prstGeom>
+        </p:spPr>
+      </p:pic>
+      <p:pic>
+        <p:nvPicPr>
+          <p:cNvPr id="7" name="Picture 6" descr="A graph of a method of transport&#10;&#10;Description automatically generated">
+            <a:extLst>
+              <a:ext uri="{FF2B5EF4-FFF2-40B4-BE49-F238E27FC236}">
+                <a16:creationId xmlns:a16="http://schemas.microsoft.com/office/drawing/2014/main" id="{1604D133-FF2C-3802-9CA0-C3D48880867F}"/>
+              </a:ext>
+            </a:extLst>
+          </p:cNvPr>
+          <p:cNvPicPr>
+            <a:picLocks noChangeAspect="1"/>
+          </p:cNvPicPr>
+          <p:nvPr/>
+        </p:nvPicPr>
+        <p:blipFill>
+          <a:blip r:embed="rId4">
+            <a:extLst>
+              <a:ext uri="{28A0092B-C50C-407E-A947-70E740481C1C}">
+                <a14:useLocalDpi xmlns:a14="http://schemas.microsoft.com/office/drawing/2010/main" val="0"/>
+              </a:ext>
+            </a:extLst>
+          </a:blip>
+          <a:stretch>
+            <a:fillRect/>
+          </a:stretch>
+        </p:blipFill>
+        <p:spPr>
+          <a:xfrm>
+            <a:off x="5887392" y="2406819"/>
+            <a:ext cx="4979832" cy="3222352"/>
+          </a:xfrm>
+          <a:prstGeom prst="rect">
+            <a:avLst/>
+          </a:prstGeom>
+        </p:spPr>
+      </p:pic>
+      <p:pic>
+        <p:nvPicPr>
+          <p:cNvPr id="10" name="Picture 9" descr="A map of england with blue and green colors&#10;&#10;Description automatically generated">
+            <a:extLst>
+              <a:ext uri="{FF2B5EF4-FFF2-40B4-BE49-F238E27FC236}">
+                <a16:creationId xmlns:a16="http://schemas.microsoft.com/office/drawing/2014/main" id="{B9DEFCFB-0739-C892-8D76-D454362304A2}"/>
+              </a:ext>
+            </a:extLst>
+          </p:cNvPr>
+          <p:cNvPicPr>
+            <a:picLocks noChangeAspect="1"/>
+          </p:cNvPicPr>
+          <p:nvPr/>
+        </p:nvPicPr>
+        <p:blipFill>
+          <a:blip r:embed="rId5">
+            <a:extLst>
+              <a:ext uri="{28A0092B-C50C-407E-A947-70E740481C1C}">
+                <a14:useLocalDpi xmlns:a14="http://schemas.microsoft.com/office/drawing/2010/main" val="0"/>
+              </a:ext>
+            </a:extLst>
+          </a:blip>
+          <a:stretch>
+            <a:fillRect/>
+          </a:stretch>
+        </p:blipFill>
+        <p:spPr>
+          <a:xfrm>
+            <a:off x="3787135" y="735629"/>
+            <a:ext cx="4617729" cy="5386741"/>
+          </a:xfrm>
+          <a:prstGeom prst="rect">
+            <a:avLst/>
+          </a:prstGeom>
+        </p:spPr>
+      </p:pic>
+      <p:pic>
+        <p:nvPicPr>
+          <p:cNvPr id="16" name="Picture 15" descr="A map of england with percentages of employees&#10;&#10;Description automatically generated">
+            <a:extLst>
+              <a:ext uri="{FF2B5EF4-FFF2-40B4-BE49-F238E27FC236}">
+                <a16:creationId xmlns:a16="http://schemas.microsoft.com/office/drawing/2014/main" id="{001F3A4C-FFFA-66A8-006F-B6BF8A59D674}"/>
+              </a:ext>
+            </a:extLst>
+          </p:cNvPr>
+          <p:cNvPicPr>
+            <a:picLocks noChangeAspect="1"/>
+          </p:cNvPicPr>
+          <p:nvPr/>
+        </p:nvPicPr>
+        <p:blipFill>
+          <a:blip r:embed="rId6">
+            <a:extLst>
+              <a:ext uri="{28A0092B-C50C-407E-A947-70E740481C1C}">
+                <a14:useLocalDpi xmlns:a14="http://schemas.microsoft.com/office/drawing/2010/main" val="0"/>
+              </a:ext>
+            </a:extLst>
+          </a:blip>
+          <a:stretch>
+            <a:fillRect/>
+          </a:stretch>
+        </p:blipFill>
+        <p:spPr>
+          <a:xfrm>
+            <a:off x="3616180" y="885629"/>
+            <a:ext cx="5259639" cy="5386741"/>
+          </a:xfrm>
+          <a:prstGeom prst="rect">
+            <a:avLst/>
+          </a:prstGeom>
+        </p:spPr>
+      </p:pic>
     </p:spTree>
     <p:extLst>
       <p:ext uri="{BB962C8B-B14F-4D97-AF65-F5344CB8AC3E}">
@@ -7195,6 +7475,78 @@
           </a:p>
         </p:txBody>
       </p:sp>
+      <p:pic>
+        <p:nvPicPr>
+          <p:cNvPr id="4" name="Picture 3" descr="A map of england with numbers and a white background&#10;&#10;Description automatically generated">
+            <a:extLst>
+              <a:ext uri="{FF2B5EF4-FFF2-40B4-BE49-F238E27FC236}">
+                <a16:creationId xmlns:a16="http://schemas.microsoft.com/office/drawing/2014/main" id="{F37EFE55-4EBD-ADAD-15B2-AFC3F06A395A}"/>
+              </a:ext>
+            </a:extLst>
+          </p:cNvPr>
+          <p:cNvPicPr>
+            <a:picLocks noChangeAspect="1"/>
+          </p:cNvPicPr>
+          <p:nvPr/>
+        </p:nvPicPr>
+        <p:blipFill>
+          <a:blip r:embed="rId3">
+            <a:extLst>
+              <a:ext uri="{28A0092B-C50C-407E-A947-70E740481C1C}">
+                <a14:useLocalDpi xmlns:a14="http://schemas.microsoft.com/office/drawing/2010/main" val="0"/>
+              </a:ext>
+            </a:extLst>
+          </a:blip>
+          <a:stretch>
+            <a:fillRect/>
+          </a:stretch>
+        </p:blipFill>
+        <p:spPr>
+          <a:xfrm>
+            <a:off x="3873089" y="735629"/>
+            <a:ext cx="4445822" cy="5386741"/>
+          </a:xfrm>
+          <a:prstGeom prst="rect">
+            <a:avLst/>
+          </a:prstGeom>
+        </p:spPr>
+      </p:pic>
+      <p:pic>
+        <p:nvPicPr>
+          <p:cNvPr id="7" name="Picture 6" descr="A graph of a number of people&#10;&#10;Description automatically generated with medium confidence">
+            <a:extLst>
+              <a:ext uri="{FF2B5EF4-FFF2-40B4-BE49-F238E27FC236}">
+                <a16:creationId xmlns:a16="http://schemas.microsoft.com/office/drawing/2014/main" id="{42004651-E87B-3C53-A0B9-C24B423D83D3}"/>
+              </a:ext>
+            </a:extLst>
+          </p:cNvPr>
+          <p:cNvPicPr>
+            <a:picLocks noChangeAspect="1"/>
+          </p:cNvPicPr>
+          <p:nvPr/>
+        </p:nvPicPr>
+        <p:blipFill>
+          <a:blip r:embed="rId4">
+            <a:extLst>
+              <a:ext uri="{28A0092B-C50C-407E-A947-70E740481C1C}">
+                <a14:useLocalDpi xmlns:a14="http://schemas.microsoft.com/office/drawing/2010/main" val="0"/>
+              </a:ext>
+            </a:extLst>
+          </a:blip>
+          <a:stretch>
+            <a:fillRect/>
+          </a:stretch>
+        </p:blipFill>
+        <p:spPr>
+          <a:xfrm>
+            <a:off x="5738310" y="1287637"/>
+            <a:ext cx="6185928" cy="3433579"/>
+          </a:xfrm>
+          <a:prstGeom prst="rect">
+            <a:avLst/>
+          </a:prstGeom>
+        </p:spPr>
+      </p:pic>
     </p:spTree>
     <p:extLst>
       <p:ext uri="{BB962C8B-B14F-4D97-AF65-F5344CB8AC3E}">
